--- a/docs/image/figure.pptx
+++ b/docs/image/figure.pptx
@@ -15,6 +15,7 @@
     <p:sldId id="262" r:id="rId12"/>
     <p:sldId id="263" r:id="rId13"/>
     <p:sldId id="264" r:id="rId14"/>
+    <p:sldId id="266" r:id="rId15"/>
   </p:sldIdLst>
   <p:sldSz cx="12192000" cy="6858000"/>
   <p:notesSz cx="6858000" cy="9144000"/>
@@ -134,7 +135,7 @@
   <pc:docChgLst>
     <pc:chgData name="A_TERUI@uncg.edu" userId="3f83de79-c81c-43e2-ac56-bbb755c07a02" providerId="ADAL" clId="{E044356D-1237-4B48-82E1-6D62CAA8C084}"/>
     <pc:docChg chg="custSel addSld modSld sldOrd">
-      <pc:chgData name="A_TERUI@uncg.edu" userId="3f83de79-c81c-43e2-ac56-bbb755c07a02" providerId="ADAL" clId="{E044356D-1237-4B48-82E1-6D62CAA8C084}" dt="2020-07-02T03:06:35.039" v="186" actId="164"/>
+      <pc:chgData name="A_TERUI@uncg.edu" userId="3f83de79-c81c-43e2-ac56-bbb755c07a02" providerId="ADAL" clId="{E044356D-1237-4B48-82E1-6D62CAA8C084}" dt="2020-07-03T01:59:58.115" v="190" actId="478"/>
       <pc:docMkLst>
         <pc:docMk/>
       </pc:docMkLst>
@@ -205,6 +206,37 @@
             <pc:docMk/>
             <pc:sldMk cId="273574164" sldId="265"/>
             <ac:picMk id="5" creationId="{32047410-5E44-470A-9B40-0F6CB9EB2ADE}"/>
+          </ac:picMkLst>
+        </pc:picChg>
+      </pc:sldChg>
+      <pc:sldChg chg="addSp delSp new mod">
+        <pc:chgData name="A_TERUI@uncg.edu" userId="3f83de79-c81c-43e2-ac56-bbb755c07a02" providerId="ADAL" clId="{E044356D-1237-4B48-82E1-6D62CAA8C084}" dt="2020-07-03T01:59:58.115" v="190" actId="478"/>
+        <pc:sldMkLst>
+          <pc:docMk/>
+          <pc:sldMk cId="943792036" sldId="266"/>
+        </pc:sldMkLst>
+        <pc:spChg chg="del">
+          <ac:chgData name="A_TERUI@uncg.edu" userId="3f83de79-c81c-43e2-ac56-bbb755c07a02" providerId="ADAL" clId="{E044356D-1237-4B48-82E1-6D62CAA8C084}" dt="2020-07-03T01:55:11.100" v="188" actId="478"/>
+          <ac:spMkLst>
+            <pc:docMk/>
+            <pc:sldMk cId="943792036" sldId="266"/>
+            <ac:spMk id="2" creationId="{37673874-9CD8-4F88-B3B9-52C39651D195}"/>
+          </ac:spMkLst>
+        </pc:spChg>
+        <pc:spChg chg="del">
+          <ac:chgData name="A_TERUI@uncg.edu" userId="3f83de79-c81c-43e2-ac56-bbb755c07a02" providerId="ADAL" clId="{E044356D-1237-4B48-82E1-6D62CAA8C084}" dt="2020-07-03T01:55:11.100" v="188" actId="478"/>
+          <ac:spMkLst>
+            <pc:docMk/>
+            <pc:sldMk cId="943792036" sldId="266"/>
+            <ac:spMk id="3" creationId="{DB792433-3452-46B1-962A-0B31C837F23A}"/>
+          </ac:spMkLst>
+        </pc:spChg>
+        <pc:picChg chg="add del">
+          <ac:chgData name="A_TERUI@uncg.edu" userId="3f83de79-c81c-43e2-ac56-bbb755c07a02" providerId="ADAL" clId="{E044356D-1237-4B48-82E1-6D62CAA8C084}" dt="2020-07-03T01:59:58.115" v="190" actId="478"/>
+          <ac:picMkLst>
+            <pc:docMk/>
+            <pc:sldMk cId="943792036" sldId="266"/>
+            <ac:picMk id="5" creationId="{32F0B1EB-970A-4530-9762-D0786D8B415F}"/>
           </ac:picMkLst>
         </pc:picChg>
       </pc:sldChg>
@@ -635,7 +667,7 @@
           <a:p>
             <a:fld id="{B03B1B77-EC2A-40C6-BFF7-E84D0C06429A}" type="datetimeFigureOut">
               <a:rPr lang="en-US" smtClean="0"/>
-              <a:t>7/1/2020</a:t>
+              <a:t>7/2/2020</a:t>
             </a:fld>
             <a:endParaRPr lang="en-US"/>
           </a:p>
@@ -833,7 +865,7 @@
           <a:p>
             <a:fld id="{B03B1B77-EC2A-40C6-BFF7-E84D0C06429A}" type="datetimeFigureOut">
               <a:rPr lang="en-US" smtClean="0"/>
-              <a:t>7/1/2020</a:t>
+              <a:t>7/2/2020</a:t>
             </a:fld>
             <a:endParaRPr lang="en-US"/>
           </a:p>
@@ -1041,7 +1073,7 @@
           <a:p>
             <a:fld id="{B03B1B77-EC2A-40C6-BFF7-E84D0C06429A}" type="datetimeFigureOut">
               <a:rPr lang="en-US" smtClean="0"/>
-              <a:t>7/1/2020</a:t>
+              <a:t>7/2/2020</a:t>
             </a:fld>
             <a:endParaRPr lang="en-US"/>
           </a:p>
@@ -1239,7 +1271,7 @@
           <a:p>
             <a:fld id="{B03B1B77-EC2A-40C6-BFF7-E84D0C06429A}" type="datetimeFigureOut">
               <a:rPr lang="en-US" smtClean="0"/>
-              <a:t>7/1/2020</a:t>
+              <a:t>7/2/2020</a:t>
             </a:fld>
             <a:endParaRPr lang="en-US"/>
           </a:p>
@@ -1514,7 +1546,7 @@
           <a:p>
             <a:fld id="{B03B1B77-EC2A-40C6-BFF7-E84D0C06429A}" type="datetimeFigureOut">
               <a:rPr lang="en-US" smtClean="0"/>
-              <a:t>7/1/2020</a:t>
+              <a:t>7/2/2020</a:t>
             </a:fld>
             <a:endParaRPr lang="en-US"/>
           </a:p>
@@ -1779,7 +1811,7 @@
           <a:p>
             <a:fld id="{B03B1B77-EC2A-40C6-BFF7-E84D0C06429A}" type="datetimeFigureOut">
               <a:rPr lang="en-US" smtClean="0"/>
-              <a:t>7/1/2020</a:t>
+              <a:t>7/2/2020</a:t>
             </a:fld>
             <a:endParaRPr lang="en-US"/>
           </a:p>
@@ -2191,7 +2223,7 @@
           <a:p>
             <a:fld id="{B03B1B77-EC2A-40C6-BFF7-E84D0C06429A}" type="datetimeFigureOut">
               <a:rPr lang="en-US" smtClean="0"/>
-              <a:t>7/1/2020</a:t>
+              <a:t>7/2/2020</a:t>
             </a:fld>
             <a:endParaRPr lang="en-US"/>
           </a:p>
@@ -2332,7 +2364,7 @@
           <a:p>
             <a:fld id="{B03B1B77-EC2A-40C6-BFF7-E84D0C06429A}" type="datetimeFigureOut">
               <a:rPr lang="en-US" smtClean="0"/>
-              <a:t>7/1/2020</a:t>
+              <a:t>7/2/2020</a:t>
             </a:fld>
             <a:endParaRPr lang="en-US"/>
           </a:p>
@@ -2445,7 +2477,7 @@
           <a:p>
             <a:fld id="{B03B1B77-EC2A-40C6-BFF7-E84D0C06429A}" type="datetimeFigureOut">
               <a:rPr lang="en-US" smtClean="0"/>
-              <a:t>7/1/2020</a:t>
+              <a:t>7/2/2020</a:t>
             </a:fld>
             <a:endParaRPr lang="en-US"/>
           </a:p>
@@ -2756,7 +2788,7 @@
           <a:p>
             <a:fld id="{B03B1B77-EC2A-40C6-BFF7-E84D0C06429A}" type="datetimeFigureOut">
               <a:rPr lang="en-US" smtClean="0"/>
-              <a:t>7/1/2020</a:t>
+              <a:t>7/2/2020</a:t>
             </a:fld>
             <a:endParaRPr lang="en-US"/>
           </a:p>
@@ -3044,7 +3076,7 @@
           <a:p>
             <a:fld id="{B03B1B77-EC2A-40C6-BFF7-E84D0C06429A}" type="datetimeFigureOut">
               <a:rPr lang="en-US" smtClean="0"/>
-              <a:t>7/1/2020</a:t>
+              <a:t>7/2/2020</a:t>
             </a:fld>
             <a:endParaRPr lang="en-US"/>
           </a:p>
@@ -3285,7 +3317,7 @@
           <a:p>
             <a:fld id="{B03B1B77-EC2A-40C6-BFF7-E84D0C06429A}" type="datetimeFigureOut">
               <a:rPr lang="en-US" smtClean="0"/>
-              <a:t>7/1/2020</a:t>
+              <a:t>7/2/2020</a:t>
             </a:fld>
             <a:endParaRPr lang="en-US"/>
           </a:p>
@@ -4018,6 +4050,36 @@
     <p:extLst>
       <p:ext uri="{BB962C8B-B14F-4D97-AF65-F5344CB8AC3E}">
         <p14:creationId xmlns:p14="http://schemas.microsoft.com/office/powerpoint/2010/main" val="64527030"/>
+      </p:ext>
+    </p:extLst>
+  </p:cSld>
+  <p:clrMapOvr>
+    <a:masterClrMapping/>
+  </p:clrMapOvr>
+</p:sld>
+</file>
+
+<file path=ppt/slides/slide11.xml><?xml version="1.0" encoding="utf-8"?>
+<p:sld xmlns:a="http://schemas.openxmlformats.org/drawingml/2006/main" xmlns:r="http://schemas.openxmlformats.org/officeDocument/2006/relationships" xmlns:p="http://schemas.openxmlformats.org/presentationml/2006/main">
+  <p:cSld>
+    <p:spTree>
+      <p:nvGrpSpPr>
+        <p:cNvPr id="1" name=""/>
+        <p:cNvGrpSpPr/>
+        <p:nvPr/>
+      </p:nvGrpSpPr>
+      <p:grpSpPr>
+        <a:xfrm>
+          <a:off x="0" y="0"/>
+          <a:ext cx="0" cy="0"/>
+          <a:chOff x="0" y="0"/>
+          <a:chExt cx="0" cy="0"/>
+        </a:xfrm>
+      </p:grpSpPr>
+    </p:spTree>
+    <p:extLst>
+      <p:ext uri="{BB962C8B-B14F-4D97-AF65-F5344CB8AC3E}">
+        <p14:creationId xmlns:p14="http://schemas.microsoft.com/office/powerpoint/2010/main" val="943792036"/>
       </p:ext>
     </p:extLst>
   </p:cSld>
@@ -5391,18 +5453,18 @@
 </file>
 
 <file path=customXml/item2.xml><?xml version="1.0" encoding="utf-8"?>
+<p:properties xmlns:p="http://schemas.microsoft.com/office/2006/metadata/properties" xmlns:xsi="http://www.w3.org/2001/XMLSchema-instance" xmlns:pc="http://schemas.microsoft.com/office/infopath/2007/PartnerControls">
+  <documentManagement/>
+</p:properties>
+</file>
+
+<file path=customXml/item3.xml><?xml version="1.0" encoding="utf-8"?>
 <?mso-contentType ?>
 <FormTemplates xmlns="http://schemas.microsoft.com/sharepoint/v3/contenttype/forms">
   <Display>DocumentLibraryForm</Display>
   <Edit>DocumentLibraryForm</Edit>
   <New>DocumentLibraryForm</New>
 </FormTemplates>
-</file>
-
-<file path=customXml/item3.xml><?xml version="1.0" encoding="utf-8"?>
-<p:properties xmlns:p="http://schemas.microsoft.com/office/2006/metadata/properties" xmlns:xsi="http://www.w3.org/2001/XMLSchema-instance" xmlns:pc="http://schemas.microsoft.com/office/infopath/2007/PartnerControls">
-  <documentManagement/>
-</p:properties>
 </file>
 
 <file path=customXml/itemProps1.xml><?xml version="1.0" encoding="utf-8"?>
@@ -5424,18 +5486,18 @@
 </file>
 
 <file path=customXml/itemProps2.xml><?xml version="1.0" encoding="utf-8"?>
-<ds:datastoreItem xmlns:ds="http://schemas.openxmlformats.org/officeDocument/2006/customXml" ds:itemID="{7A5131AD-7A1A-4038-9CF9-AE5F583478E1}">
-  <ds:schemaRefs>
-    <ds:schemaRef ds:uri="http://schemas.microsoft.com/sharepoint/v3/contenttype/forms"/>
-  </ds:schemaRefs>
-</ds:datastoreItem>
-</file>
-
-<file path=customXml/itemProps3.xml><?xml version="1.0" encoding="utf-8"?>
 <ds:datastoreItem xmlns:ds="http://schemas.openxmlformats.org/officeDocument/2006/customXml" ds:itemID="{0E476A99-723F-48F6-BFB7-9F1DA1033868}">
   <ds:schemaRefs>
     <ds:schemaRef ds:uri="http://schemas.microsoft.com/office/2006/metadata/properties"/>
     <ds:schemaRef ds:uri="http://schemas.microsoft.com/office/infopath/2007/PartnerControls"/>
   </ds:schemaRefs>
 </ds:datastoreItem>
+</file>
+
+<file path=customXml/itemProps3.xml><?xml version="1.0" encoding="utf-8"?>
+<ds:datastoreItem xmlns:ds="http://schemas.openxmlformats.org/officeDocument/2006/customXml" ds:itemID="{7A5131AD-7A1A-4038-9CF9-AE5F583478E1}">
+  <ds:schemaRefs>
+    <ds:schemaRef ds:uri="http://schemas.microsoft.com/sharepoint/v3/contenttype/forms"/>
+  </ds:schemaRefs>
+</ds:datastoreItem>
 </file>